--- a/Algorithms/Wie verhalten sich die Achsen.pptx
+++ b/Algorithms/Wie verhalten sich die Achsen.pptx
@@ -10459,7 +10459,7 @@
           <a:p>
             <a:fld id="{BAAF11D8-2FD3-4E1F-81B9-B12D68041566}" type="datetimeFigureOut">
               <a:rPr lang="de-DE" smtClean="0"/>
-              <a:t>06.02.2021</a:t>
+              <a:t>09.02.2021</a:t>
             </a:fld>
             <a:endParaRPr lang="de-DE"/>
           </a:p>
@@ -10797,7 +10797,7 @@
           <a:p>
             <a:fld id="{BAAF11D8-2FD3-4E1F-81B9-B12D68041566}" type="datetimeFigureOut">
               <a:rPr lang="de-DE" smtClean="0"/>
-              <a:t>06.02.2021</a:t>
+              <a:t>09.02.2021</a:t>
             </a:fld>
             <a:endParaRPr lang="de-DE"/>
           </a:p>
@@ -11198,7 +11198,7 @@
           <a:p>
             <a:fld id="{BAAF11D8-2FD3-4E1F-81B9-B12D68041566}" type="datetimeFigureOut">
               <a:rPr lang="de-DE" smtClean="0"/>
-              <a:t>06.02.2021</a:t>
+              <a:t>09.02.2021</a:t>
             </a:fld>
             <a:endParaRPr lang="de-DE"/>
           </a:p>
@@ -11534,7 +11534,7 @@
           <a:p>
             <a:fld id="{BAAF11D8-2FD3-4E1F-81B9-B12D68041566}" type="datetimeFigureOut">
               <a:rPr lang="de-DE" smtClean="0"/>
-              <a:t>06.02.2021</a:t>
+              <a:t>09.02.2021</a:t>
             </a:fld>
             <a:endParaRPr lang="de-DE"/>
           </a:p>
@@ -11854,7 +11854,7 @@
           <a:p>
             <a:fld id="{BAAF11D8-2FD3-4E1F-81B9-B12D68041566}" type="datetimeFigureOut">
               <a:rPr lang="de-DE" smtClean="0"/>
-              <a:t>06.02.2021</a:t>
+              <a:t>09.02.2021</a:t>
             </a:fld>
             <a:endParaRPr lang="de-DE"/>
           </a:p>
@@ -12250,7 +12250,7 @@
           <a:p>
             <a:fld id="{BAAF11D8-2FD3-4E1F-81B9-B12D68041566}" type="datetimeFigureOut">
               <a:rPr lang="de-DE" smtClean="0"/>
-              <a:t>06.02.2021</a:t>
+              <a:t>09.02.2021</a:t>
             </a:fld>
             <a:endParaRPr lang="de-DE"/>
           </a:p>
@@ -12507,7 +12507,7 @@
           <a:p>
             <a:fld id="{BAAF11D8-2FD3-4E1F-81B9-B12D68041566}" type="datetimeFigureOut">
               <a:rPr lang="de-DE" smtClean="0"/>
-              <a:t>06.02.2021</a:t>
+              <a:t>09.02.2021</a:t>
             </a:fld>
             <a:endParaRPr lang="de-DE"/>
           </a:p>
@@ -12769,7 +12769,7 @@
           <a:p>
             <a:fld id="{BAAF11D8-2FD3-4E1F-81B9-B12D68041566}" type="datetimeFigureOut">
               <a:rPr lang="de-DE" smtClean="0"/>
-              <a:t>06.02.2021</a:t>
+              <a:t>09.02.2021</a:t>
             </a:fld>
             <a:endParaRPr lang="de-DE"/>
           </a:p>
@@ -13031,7 +13031,7 @@
           <a:p>
             <a:fld id="{BAAF11D8-2FD3-4E1F-81B9-B12D68041566}" type="datetimeFigureOut">
               <a:rPr lang="de-DE" smtClean="0"/>
-              <a:t>06.02.2021</a:t>
+              <a:t>09.02.2021</a:t>
             </a:fld>
             <a:endParaRPr lang="de-DE"/>
           </a:p>
@@ -13360,7 +13360,7 @@
           <a:p>
             <a:fld id="{BAAF11D8-2FD3-4E1F-81B9-B12D68041566}" type="datetimeFigureOut">
               <a:rPr lang="de-DE" smtClean="0"/>
-              <a:t>06.02.2021</a:t>
+              <a:t>09.02.2021</a:t>
             </a:fld>
             <a:endParaRPr lang="de-DE"/>
           </a:p>
@@ -13683,7 +13683,7 @@
           <a:p>
             <a:fld id="{BAAF11D8-2FD3-4E1F-81B9-B12D68041566}" type="datetimeFigureOut">
               <a:rPr lang="de-DE" smtClean="0"/>
-              <a:t>06.02.2021</a:t>
+              <a:t>09.02.2021</a:t>
             </a:fld>
             <a:endParaRPr lang="de-DE"/>
           </a:p>
@@ -14140,7 +14140,7 @@
           <a:p>
             <a:fld id="{BAAF11D8-2FD3-4E1F-81B9-B12D68041566}" type="datetimeFigureOut">
               <a:rPr lang="de-DE" smtClean="0"/>
-              <a:t>06.02.2021</a:t>
+              <a:t>09.02.2021</a:t>
             </a:fld>
             <a:endParaRPr lang="de-DE"/>
           </a:p>
@@ -14345,7 +14345,7 @@
           <a:p>
             <a:fld id="{BAAF11D8-2FD3-4E1F-81B9-B12D68041566}" type="datetimeFigureOut">
               <a:rPr lang="de-DE" smtClean="0"/>
-              <a:t>06.02.2021</a:t>
+              <a:t>09.02.2021</a:t>
             </a:fld>
             <a:endParaRPr lang="de-DE"/>
           </a:p>
@@ -14522,7 +14522,7 @@
           <a:p>
             <a:fld id="{BAAF11D8-2FD3-4E1F-81B9-B12D68041566}" type="datetimeFigureOut">
               <a:rPr lang="de-DE" smtClean="0"/>
-              <a:t>06.02.2021</a:t>
+              <a:t>09.02.2021</a:t>
             </a:fld>
             <a:endParaRPr lang="de-DE"/>
           </a:p>
@@ -14855,7 +14855,7 @@
           <a:p>
             <a:fld id="{BAAF11D8-2FD3-4E1F-81B9-B12D68041566}" type="datetimeFigureOut">
               <a:rPr lang="de-DE" smtClean="0"/>
-              <a:t>06.02.2021</a:t>
+              <a:t>09.02.2021</a:t>
             </a:fld>
             <a:endParaRPr lang="de-DE"/>
           </a:p>
@@ -15200,7 +15200,7 @@
           <a:p>
             <a:fld id="{BAAF11D8-2FD3-4E1F-81B9-B12D68041566}" type="datetimeFigureOut">
               <a:rPr lang="de-DE" smtClean="0"/>
-              <a:t>06.02.2021</a:t>
+              <a:t>09.02.2021</a:t>
             </a:fld>
             <a:endParaRPr lang="de-DE"/>
           </a:p>
@@ -17317,7 +17317,7 @@
           <a:p>
             <a:fld id="{BAAF11D8-2FD3-4E1F-81B9-B12D68041566}" type="datetimeFigureOut">
               <a:rPr lang="de-DE" smtClean="0"/>
-              <a:t>06.02.2021</a:t>
+              <a:t>09.02.2021</a:t>
             </a:fld>
             <a:endParaRPr lang="de-DE"/>
           </a:p>
@@ -23891,7 +23891,7 @@
             <a:pPr algn="just"/>
             <a:r>
               <a:rPr lang="de-DE" sz="1400" dirty="0"/>
-              <a:t>Es ist ersichtlich, dass die Beschleunigungswerte Spitzen haben, bzw. ein unmittelbarer Richtungswechsel beim Aufsetzen eines Fußes erreicht werden müssen.</a:t>
+              <a:t>Es ist ersichtlich, dass die Beschleunigungswerte Spitzen haben, bzw. ein unmittelbarer Richtungswechsel beim Aufsetzen eines Fußes erreicht werden muss.</a:t>
             </a:r>
           </a:p>
         </p:txBody>
@@ -24026,93 +24026,6 @@
           </a:p>
         </p:txBody>
       </p:sp>
-      <p:cxnSp>
-        <p:nvCxnSpPr>
-          <p:cNvPr id="13" name="Gerader Verbinder 12">
-            <a:extLst>
-              <a:ext uri="{FF2B5EF4-FFF2-40B4-BE49-F238E27FC236}">
-                <a16:creationId xmlns:a16="http://schemas.microsoft.com/office/drawing/2014/main" id="{2A556949-824B-4E3E-B57F-AB5D847BEAEF}"/>
-              </a:ext>
-            </a:extLst>
-          </p:cNvPr>
-          <p:cNvCxnSpPr/>
-          <p:nvPr/>
-        </p:nvCxnSpPr>
-        <p:spPr>
-          <a:xfrm>
-            <a:off x="6814800" y="1353600"/>
-            <a:ext cx="0" cy="3999600"/>
-          </a:xfrm>
-          <a:prstGeom prst="line">
-            <a:avLst/>
-          </a:prstGeom>
-          <a:ln w="50800">
-            <a:solidFill>
-              <a:srgbClr val="00B050"/>
-            </a:solidFill>
-            <a:headEnd type="triangle"/>
-            <a:tailEnd type="none"/>
-          </a:ln>
-        </p:spPr>
-        <p:style>
-          <a:lnRef idx="1">
-            <a:schemeClr val="accent1"/>
-          </a:lnRef>
-          <a:fillRef idx="0">
-            <a:schemeClr val="accent1"/>
-          </a:fillRef>
-          <a:effectRef idx="0">
-            <a:schemeClr val="accent1"/>
-          </a:effectRef>
-          <a:fontRef idx="minor">
-            <a:schemeClr val="tx1"/>
-          </a:fontRef>
-        </p:style>
-      </p:cxnSp>
-      <p:cxnSp>
-        <p:nvCxnSpPr>
-          <p:cNvPr id="14" name="Gerader Verbinder 13">
-            <a:extLst>
-              <a:ext uri="{FF2B5EF4-FFF2-40B4-BE49-F238E27FC236}">
-                <a16:creationId xmlns:a16="http://schemas.microsoft.com/office/drawing/2014/main" id="{EEFBB770-F7E1-4049-A407-3C0020290843}"/>
-              </a:ext>
-            </a:extLst>
-          </p:cNvPr>
-          <p:cNvCxnSpPr>
-            <a:cxnSpLocks/>
-          </p:cNvCxnSpPr>
-          <p:nvPr/>
-        </p:nvCxnSpPr>
-        <p:spPr>
-          <a:xfrm>
-            <a:off x="5374800" y="1352550"/>
-            <a:ext cx="0" cy="4000500"/>
-          </a:xfrm>
-          <a:prstGeom prst="line">
-            <a:avLst/>
-          </a:prstGeom>
-          <a:ln w="50800">
-            <a:solidFill>
-              <a:srgbClr val="00B050"/>
-            </a:solidFill>
-            <a:tailEnd type="triangle"/>
-          </a:ln>
-        </p:spPr>
-        <p:style>
-          <a:lnRef idx="1">
-            <a:schemeClr val="accent1"/>
-          </a:lnRef>
-          <a:fillRef idx="0">
-            <a:schemeClr val="accent1"/>
-          </a:fillRef>
-          <a:effectRef idx="0">
-            <a:schemeClr val="accent1"/>
-          </a:effectRef>
-          <a:fontRef idx="minor">
-            <a:schemeClr val="tx1"/>
-          </a:fontRef>
-        </p:style>
-      </p:cxnSp>
       <mc:AlternateContent xmlns:mc="http://schemas.openxmlformats.org/markup-compatibility/2006" xmlns:a14="http://schemas.microsoft.com/office/drawing/2010/main">
         <mc:Choice Requires="a14">
           <p:sp>
@@ -24255,6 +24168,153 @@
           </a:p>
         </p:txBody>
       </p:sp>
+      <p:pic>
+        <p:nvPicPr>
+          <p:cNvPr id="9" name="Grafik 8">
+            <a:extLst>
+              <a:ext uri="{FF2B5EF4-FFF2-40B4-BE49-F238E27FC236}">
+                <a16:creationId xmlns:a16="http://schemas.microsoft.com/office/drawing/2014/main" id="{901C2628-0E62-4522-A7A6-F8586FA1AF68}"/>
+              </a:ext>
+            </a:extLst>
+          </p:cNvPr>
+          <p:cNvPicPr>
+            <a:picLocks noChangeAspect="1"/>
+          </p:cNvPicPr>
+          <p:nvPr/>
+        </p:nvPicPr>
+        <p:blipFill>
+          <a:blip r:embed="rId3"/>
+          <a:stretch>
+            <a:fillRect/>
+          </a:stretch>
+        </p:blipFill>
+        <p:spPr>
+          <a:xfrm rot="10800000">
+            <a:off x="5164386" y="4364056"/>
+            <a:ext cx="420827" cy="1141394"/>
+          </a:xfrm>
+          <a:prstGeom prst="rect">
+            <a:avLst/>
+          </a:prstGeom>
+        </p:spPr>
+      </p:pic>
+      <p:pic>
+        <p:nvPicPr>
+          <p:cNvPr id="10" name="Grafik 9">
+            <a:extLst>
+              <a:ext uri="{FF2B5EF4-FFF2-40B4-BE49-F238E27FC236}">
+                <a16:creationId xmlns:a16="http://schemas.microsoft.com/office/drawing/2014/main" id="{BF2A04AE-3010-4E47-A425-D3FD005A03D7}"/>
+              </a:ext>
+            </a:extLst>
+          </p:cNvPr>
+          <p:cNvPicPr>
+            <a:picLocks noChangeAspect="1"/>
+          </p:cNvPicPr>
+          <p:nvPr/>
+        </p:nvPicPr>
+        <p:blipFill>
+          <a:blip r:embed="rId4"/>
+          <a:stretch>
+            <a:fillRect/>
+          </a:stretch>
+        </p:blipFill>
+        <p:spPr>
+          <a:xfrm rot="10800000">
+            <a:off x="6604386" y="1091294"/>
+            <a:ext cx="420828" cy="1141397"/>
+          </a:xfrm>
+          <a:prstGeom prst="rect">
+            <a:avLst/>
+          </a:prstGeom>
+        </p:spPr>
+      </p:pic>
+      <p:cxnSp>
+        <p:nvCxnSpPr>
+          <p:cNvPr id="14" name="Gerader Verbinder 13">
+            <a:extLst>
+              <a:ext uri="{FF2B5EF4-FFF2-40B4-BE49-F238E27FC236}">
+                <a16:creationId xmlns:a16="http://schemas.microsoft.com/office/drawing/2014/main" id="{EEFBB770-F7E1-4049-A407-3C0020290843}"/>
+              </a:ext>
+            </a:extLst>
+          </p:cNvPr>
+          <p:cNvCxnSpPr>
+            <a:cxnSpLocks/>
+          </p:cNvCxnSpPr>
+          <p:nvPr/>
+        </p:nvCxnSpPr>
+        <p:spPr>
+          <a:xfrm>
+            <a:off x="5374800" y="1352550"/>
+            <a:ext cx="0" cy="4000500"/>
+          </a:xfrm>
+          <a:prstGeom prst="line">
+            <a:avLst/>
+          </a:prstGeom>
+          <a:ln w="50800">
+            <a:solidFill>
+              <a:srgbClr val="00B050"/>
+            </a:solidFill>
+            <a:tailEnd type="triangle"/>
+          </a:ln>
+        </p:spPr>
+        <p:style>
+          <a:lnRef idx="1">
+            <a:schemeClr val="accent1"/>
+          </a:lnRef>
+          <a:fillRef idx="0">
+            <a:schemeClr val="accent1"/>
+          </a:fillRef>
+          <a:effectRef idx="0">
+            <a:schemeClr val="accent1"/>
+          </a:effectRef>
+          <a:fontRef idx="minor">
+            <a:schemeClr val="tx1"/>
+          </a:fontRef>
+        </p:style>
+      </p:cxnSp>
+      <p:cxnSp>
+        <p:nvCxnSpPr>
+          <p:cNvPr id="13" name="Gerader Verbinder 12">
+            <a:extLst>
+              <a:ext uri="{FF2B5EF4-FFF2-40B4-BE49-F238E27FC236}">
+                <a16:creationId xmlns:a16="http://schemas.microsoft.com/office/drawing/2014/main" id="{2A556949-824B-4E3E-B57F-AB5D847BEAEF}"/>
+              </a:ext>
+            </a:extLst>
+          </p:cNvPr>
+          <p:cNvCxnSpPr/>
+          <p:nvPr/>
+        </p:nvCxnSpPr>
+        <p:spPr>
+          <a:xfrm>
+            <a:off x="6814800" y="1353600"/>
+            <a:ext cx="0" cy="3999600"/>
+          </a:xfrm>
+          <a:prstGeom prst="line">
+            <a:avLst/>
+          </a:prstGeom>
+          <a:ln w="50800">
+            <a:solidFill>
+              <a:srgbClr val="00B050"/>
+            </a:solidFill>
+            <a:headEnd type="triangle"/>
+            <a:tailEnd type="none"/>
+          </a:ln>
+        </p:spPr>
+        <p:style>
+          <a:lnRef idx="1">
+            <a:schemeClr val="accent1"/>
+          </a:lnRef>
+          <a:fillRef idx="0">
+            <a:schemeClr val="accent1"/>
+          </a:fillRef>
+          <a:effectRef idx="0">
+            <a:schemeClr val="accent1"/>
+          </a:effectRef>
+          <a:fontRef idx="minor">
+            <a:schemeClr val="tx1"/>
+          </a:fontRef>
+        </p:style>
+      </p:cxnSp>
     </p:spTree>
     <p:extLst>
       <p:ext uri="{BB962C8B-B14F-4D97-AF65-F5344CB8AC3E}">
@@ -25264,6 +25324,66 @@
           </p:txBody>
         </p:sp>
       </p:grpSp>
+      <p:pic>
+        <p:nvPicPr>
+          <p:cNvPr id="28" name="Grafik 27">
+            <a:extLst>
+              <a:ext uri="{FF2B5EF4-FFF2-40B4-BE49-F238E27FC236}">
+                <a16:creationId xmlns:a16="http://schemas.microsoft.com/office/drawing/2014/main" id="{31F9585D-15B0-4F54-BAE9-90392283A220}"/>
+              </a:ext>
+            </a:extLst>
+          </p:cNvPr>
+          <p:cNvPicPr>
+            <a:picLocks noChangeAspect="1"/>
+          </p:cNvPicPr>
+          <p:nvPr/>
+        </p:nvPicPr>
+        <p:blipFill>
+          <a:blip r:embed="rId2"/>
+          <a:stretch>
+            <a:fillRect/>
+          </a:stretch>
+        </p:blipFill>
+        <p:spPr>
+          <a:xfrm rot="10800000">
+            <a:off x="5277052" y="3130982"/>
+            <a:ext cx="183930" cy="498866"/>
+          </a:xfrm>
+          <a:prstGeom prst="rect">
+            <a:avLst/>
+          </a:prstGeom>
+        </p:spPr>
+      </p:pic>
+      <p:pic>
+        <p:nvPicPr>
+          <p:cNvPr id="29" name="Grafik 28">
+            <a:extLst>
+              <a:ext uri="{FF2B5EF4-FFF2-40B4-BE49-F238E27FC236}">
+                <a16:creationId xmlns:a16="http://schemas.microsoft.com/office/drawing/2014/main" id="{2869AB00-4C7B-447F-A1E7-4BBDD08DEEFC}"/>
+              </a:ext>
+            </a:extLst>
+          </p:cNvPr>
+          <p:cNvPicPr>
+            <a:picLocks noChangeAspect="1"/>
+          </p:cNvPicPr>
+          <p:nvPr/>
+        </p:nvPicPr>
+        <p:blipFill>
+          <a:blip r:embed="rId3"/>
+          <a:stretch>
+            <a:fillRect/>
+          </a:stretch>
+        </p:blipFill>
+        <p:spPr>
+          <a:xfrm rot="10800000">
+            <a:off x="6736280" y="3146935"/>
+            <a:ext cx="182895" cy="496059"/>
+          </a:xfrm>
+          <a:prstGeom prst="rect">
+            <a:avLst/>
+          </a:prstGeom>
+        </p:spPr>
+      </p:pic>
     </p:spTree>
     <p:extLst>
       <p:ext uri="{BB962C8B-B14F-4D97-AF65-F5344CB8AC3E}">
